--- a/assets/03-vorlesung/03-Vorlesung.pptx
+++ b/assets/03-vorlesung/03-Vorlesung.pptx
@@ -5,7 +5,7 @@
     <p:sldMasterId id="2147483673" r:id="rId1"/>
   </p:sldMasterIdLst>
   <p:notesMasterIdLst>
-    <p:notesMasterId r:id="rId36"/>
+    <p:notesMasterId r:id="rId37"/>
   </p:notesMasterIdLst>
   <p:sldIdLst>
     <p:sldId id="256" r:id="rId2"/>
@@ -21,27 +21,28 @@
     <p:sldId id="351" r:id="rId12"/>
     <p:sldId id="352" r:id="rId13"/>
     <p:sldId id="354" r:id="rId14"/>
-    <p:sldId id="332" r:id="rId15"/>
-    <p:sldId id="274" r:id="rId16"/>
-    <p:sldId id="333" r:id="rId17"/>
-    <p:sldId id="276" r:id="rId18"/>
-    <p:sldId id="345" r:id="rId19"/>
-    <p:sldId id="346" r:id="rId20"/>
-    <p:sldId id="348" r:id="rId21"/>
-    <p:sldId id="349" r:id="rId22"/>
-    <p:sldId id="350" r:id="rId23"/>
-    <p:sldId id="347" r:id="rId24"/>
-    <p:sldId id="344" r:id="rId25"/>
-    <p:sldId id="334" r:id="rId26"/>
-    <p:sldId id="335" r:id="rId27"/>
-    <p:sldId id="336" r:id="rId28"/>
-    <p:sldId id="337" r:id="rId29"/>
-    <p:sldId id="338" r:id="rId30"/>
-    <p:sldId id="339" r:id="rId31"/>
-    <p:sldId id="340" r:id="rId32"/>
-    <p:sldId id="341" r:id="rId33"/>
-    <p:sldId id="342" r:id="rId34"/>
-    <p:sldId id="343" r:id="rId35"/>
+    <p:sldId id="355" r:id="rId15"/>
+    <p:sldId id="332" r:id="rId16"/>
+    <p:sldId id="274" r:id="rId17"/>
+    <p:sldId id="333" r:id="rId18"/>
+    <p:sldId id="276" r:id="rId19"/>
+    <p:sldId id="345" r:id="rId20"/>
+    <p:sldId id="346" r:id="rId21"/>
+    <p:sldId id="348" r:id="rId22"/>
+    <p:sldId id="349" r:id="rId23"/>
+    <p:sldId id="350" r:id="rId24"/>
+    <p:sldId id="347" r:id="rId25"/>
+    <p:sldId id="344" r:id="rId26"/>
+    <p:sldId id="334" r:id="rId27"/>
+    <p:sldId id="335" r:id="rId28"/>
+    <p:sldId id="336" r:id="rId29"/>
+    <p:sldId id="337" r:id="rId30"/>
+    <p:sldId id="338" r:id="rId31"/>
+    <p:sldId id="339" r:id="rId32"/>
+    <p:sldId id="340" r:id="rId33"/>
+    <p:sldId id="341" r:id="rId34"/>
+    <p:sldId id="342" r:id="rId35"/>
+    <p:sldId id="343" r:id="rId36"/>
   </p:sldIdLst>
   <p:sldSz cx="9144000" cy="6858000" type="screen4x3"/>
   <p:notesSz cx="6858000" cy="9144000"/>
@@ -762,7 +763,7 @@
               <a:pPr>
                 <a:defRPr/>
               </a:pPr>
-              <a:t>‹#›</a:t>
+              <a:t>‹Nr.›</a:t>
             </a:fld>
             <a:endParaRPr lang="de-DE" altLang="en-US"/>
           </a:p>
@@ -1319,7 +1320,7 @@
             <a:fld id="{69C3EA98-DFA2-4C9F-B57E-B51BC274C93C}" type="datetime1">
               <a:rPr lang="en-GB" altLang="en-US"/>
               <a:pPr/>
-              <a:t>10/04/2019</a:t>
+              <a:t>11/04/2019</a:t>
             </a:fld>
             <a:endParaRPr lang="en-GB" altLang="en-US"/>
           </a:p>
@@ -1386,7 +1387,7 @@
             <a:fld id="{1DF2FA85-A3D0-4166-8196-033263D4B828}" type="slidenum">
               <a:rPr lang="en-GB" altLang="en-US"/>
               <a:pPr/>
-              <a:t>‹#›</a:t>
+              <a:t>‹Nr.›</a:t>
             </a:fld>
             <a:endParaRPr lang="en-GB" altLang="en-US"/>
           </a:p>
@@ -2855,7 +2856,7 @@
                 </a:solidFill>
               </a:rPr>
               <a:pPr algn="ctr"/>
-              <a:t>‹#›</a:t>
+              <a:t>‹Nr.›</a:t>
             </a:fld>
             <a:endParaRPr lang="id-ID" sz="1350" dirty="0">
               <a:solidFill>
@@ -4854,7 +4855,7 @@
                 </a:solidFill>
               </a:rPr>
               <a:pPr algn="ctr"/>
-              <a:t>‹#›</a:t>
+              <a:t>‹Nr.›</a:t>
             </a:fld>
             <a:endParaRPr lang="id-ID" sz="1350" dirty="0">
               <a:solidFill>
@@ -6557,7 +6558,7 @@
                 </a:solidFill>
               </a:rPr>
               <a:pPr algn="ctr"/>
-              <a:t>‹#›</a:t>
+              <a:t>‹Nr.›</a:t>
             </a:fld>
             <a:endParaRPr lang="id-ID" sz="1350" dirty="0">
               <a:solidFill>
@@ -7473,7 +7474,7 @@
               <a:pPr eaLnBrk="1" hangingPunct="1">
                 <a:defRPr/>
               </a:pPr>
-              <a:t>‹#›</a:t>
+              <a:t>‹Nr.›</a:t>
             </a:fld>
             <a:r>
               <a:rPr lang="de-DE" altLang="en-US" sz="900">
@@ -7897,7 +7898,7 @@
               <a:pPr eaLnBrk="1" hangingPunct="1">
                 <a:defRPr/>
               </a:pPr>
-              <a:t>‹#›</a:t>
+              <a:t>‹Nr.›</a:t>
             </a:fld>
             <a:r>
               <a:rPr lang="de-DE" altLang="en-US" sz="900">
@@ -8251,7 +8252,7 @@
               <a:pPr eaLnBrk="1" hangingPunct="1">
                 <a:defRPr/>
               </a:pPr>
-              <a:t>‹#›</a:t>
+              <a:t>‹Nr.›</a:t>
             </a:fld>
             <a:r>
               <a:rPr lang="de-DE" altLang="en-US" sz="900">
@@ -9079,7 +9080,7 @@
             <a:fld id="{A49B3DF6-6E3F-42A4-B000-0A1FDF7DED53}" type="datetime1">
               <a:rPr lang="en-GB" altLang="en-US"/>
               <a:pPr/>
-              <a:t>10/04/2019</a:t>
+              <a:t>11/04/2019</a:t>
             </a:fld>
             <a:endParaRPr lang="en-GB" altLang="en-US"/>
           </a:p>
@@ -9146,7 +9147,7 @@
             <a:fld id="{FADCCD7B-FC85-4BB0-ADF5-CE524F145E40}" type="slidenum">
               <a:rPr lang="en-GB" altLang="en-US"/>
               <a:pPr/>
-              <a:t>‹#›</a:t>
+              <a:t>‹Nr.›</a:t>
             </a:fld>
             <a:endParaRPr lang="en-GB" altLang="en-US"/>
           </a:p>
@@ -9212,7 +9213,7 @@
             <a:fld id="{7FE88FC2-DF10-4AFE-9A26-D3259147E3AF}" type="datetime1">
               <a:rPr lang="en-GB" altLang="en-US"/>
               <a:pPr/>
-              <a:t>10/04/2019</a:t>
+              <a:t>11/04/2019</a:t>
             </a:fld>
             <a:endParaRPr lang="en-GB" altLang="en-US"/>
           </a:p>
@@ -9279,7 +9280,7 @@
             <a:fld id="{D7C7F388-6508-4105-811E-DC9FE09F48FC}" type="slidenum">
               <a:rPr lang="en-GB" altLang="en-US"/>
               <a:pPr/>
-              <a:t>‹#›</a:t>
+              <a:t>‹Nr.›</a:t>
             </a:fld>
             <a:endParaRPr lang="en-GB" altLang="en-US"/>
           </a:p>
@@ -9430,7 +9431,7 @@
           <p:nvPr/>
         </p:nvPicPr>
         <p:blipFill>
-          <a:blip r:embed="rId15" cstate="email">
+          <a:blip r:embed="rId15" cstate="hqprint">
             <a:extLst>
               <a:ext uri="{28A0092B-C50C-407E-A947-70E740481C1C}">
                 <a14:useLocalDpi xmlns:a14="http://schemas.microsoft.com/office/drawing/2010/main" val="0"/>
@@ -9867,7 +9868,7 @@
               <a:pPr eaLnBrk="1" hangingPunct="1">
                 <a:defRPr/>
               </a:pPr>
-              <a:t>‹#›</a:t>
+              <a:t>‹Nr.›</a:t>
             </a:fld>
             <a:r>
               <a:rPr lang="de-DE" altLang="en-US" sz="900">
@@ -10423,6 +10424,10 @@
               </a:rPr>
               <a:t>Modul</a:t>
             </a:r>
+            <a:r>
+              <a:rPr lang="de-DE" altLang="en-US" sz="4400" dirty="0"/>
+              <a:t/>
+            </a:r>
             <a:br>
               <a:rPr lang="de-DE" altLang="en-US" sz="4400" dirty="0"/>
             </a:br>
@@ -10449,6 +10454,10 @@
             <a:br>
               <a:rPr lang="de-DE" altLang="en-US" sz="4400" dirty="0"/>
             </a:br>
+            <a:r>
+              <a:rPr lang="de-DE" altLang="en-US" sz="4400" i="1" dirty="0"/>
+              <a:t/>
+            </a:r>
             <a:br>
               <a:rPr lang="de-DE" altLang="en-US" sz="4400" i="1" dirty="0"/>
             </a:br>
@@ -10898,8 +10907,13 @@
             </a:r>
             <a:r>
               <a:rPr lang="en-US" dirty="0"/>
-              <a:t> Architecture 10.000ft</a:t>
-            </a:r>
+              <a:t> </a:t>
+            </a:r>
+            <a:r>
+              <a:rPr lang="en-US" dirty="0" smtClean="0"/>
+              <a:t>Network Design</a:t>
+            </a:r>
+            <a:endParaRPr lang="en-US" dirty="0"/>
           </a:p>
         </p:txBody>
       </p:sp>
@@ -10985,12 +10999,134 @@
             <p:ph idx="1"/>
           </p:nvPr>
         </p:nvSpPr>
-        <p:spPr/>
+        <p:spPr>
+          <a:xfrm>
+            <a:off x="228600" y="1828800"/>
+            <a:ext cx="8439150" cy="2430462"/>
+          </a:xfrm>
+        </p:spPr>
         <p:txBody>
           <a:bodyPr/>
           <a:lstStyle/>
           <a:p>
-            <a:endParaRPr lang="en-US"/>
+            <a:pPr marL="0" indent="0">
+              <a:buNone/>
+            </a:pPr>
+            <a:r>
+              <a:rPr lang="en-US" sz="1800" dirty="0" err="1" smtClean="0"/>
+              <a:t>LoRa</a:t>
+            </a:r>
+            <a:r>
+              <a:rPr lang="en-US" sz="1800" dirty="0" smtClean="0"/>
+              <a:t> is a physical layer enabling long range communication links</a:t>
+            </a:r>
+          </a:p>
+          <a:p>
+            <a:pPr marL="0" indent="0">
+              <a:buNone/>
+            </a:pPr>
+            <a:endParaRPr lang="en-US" sz="1800" dirty="0"/>
+          </a:p>
+          <a:p>
+            <a:pPr marL="0" indent="0">
+              <a:buNone/>
+            </a:pPr>
+            <a:r>
+              <a:rPr lang="en-US" sz="1800" dirty="0" err="1" smtClean="0"/>
+              <a:t>LoRaWan</a:t>
+            </a:r>
+            <a:r>
+              <a:rPr lang="en-US" sz="1800" dirty="0" smtClean="0"/>
+              <a:t> is the communication protocol</a:t>
+            </a:r>
+          </a:p>
+          <a:p>
+            <a:pPr marL="0" indent="0">
+              <a:buNone/>
+            </a:pPr>
+            <a:endParaRPr lang="en-US" sz="1800" dirty="0" smtClean="0"/>
+          </a:p>
+          <a:p>
+            <a:pPr marL="0" indent="0">
+              <a:buNone/>
+            </a:pPr>
+            <a:r>
+              <a:rPr lang="en-US" sz="1800" dirty="0" err="1" smtClean="0"/>
+              <a:t>LoRaWan</a:t>
+            </a:r>
+            <a:r>
+              <a:rPr lang="en-US" sz="1800" dirty="0" smtClean="0"/>
+              <a:t> is made for small devices and with focus on optimizing battery life</a:t>
+            </a:r>
+            <a:endParaRPr lang="en-US" sz="1800" dirty="0"/>
+          </a:p>
+          <a:p>
+            <a:pPr marL="0" indent="0">
+              <a:buNone/>
+            </a:pPr>
+            <a:endParaRPr lang="en-US" sz="1800" dirty="0"/>
+          </a:p>
+          <a:p>
+            <a:pPr marL="0" indent="0">
+              <a:buNone/>
+            </a:pPr>
+            <a:r>
+              <a:rPr lang="en-US" sz="1800" dirty="0" err="1" smtClean="0"/>
+              <a:t>LoRa</a:t>
+            </a:r>
+            <a:r>
+              <a:rPr lang="en-US" sz="1800" dirty="0" smtClean="0"/>
+              <a:t>/ </a:t>
+            </a:r>
+            <a:r>
+              <a:rPr lang="en-US" sz="1800" dirty="0" err="1" smtClean="0"/>
+              <a:t>LoRaWan</a:t>
+            </a:r>
+            <a:r>
+              <a:rPr lang="en-US" sz="1800" dirty="0" smtClean="0"/>
+              <a:t> is extremely slow (do not send videos!)</a:t>
+            </a:r>
+          </a:p>
+          <a:p>
+            <a:pPr marL="0" indent="0">
+              <a:buNone/>
+            </a:pPr>
+            <a:endParaRPr lang="en-US" sz="1800" dirty="0"/>
+          </a:p>
+          <a:p>
+            <a:pPr marL="0" indent="0">
+              <a:buNone/>
+            </a:pPr>
+            <a:r>
+              <a:rPr lang="en-US" sz="1800" dirty="0" err="1" smtClean="0"/>
+              <a:t>LoRaWan</a:t>
+            </a:r>
+            <a:r>
+              <a:rPr lang="en-US" sz="1800" dirty="0" smtClean="0"/>
+              <a:t> is bidirectional … can send and receive data</a:t>
+            </a:r>
+          </a:p>
+          <a:p>
+            <a:pPr marL="0" indent="0">
+              <a:buNone/>
+            </a:pPr>
+            <a:endParaRPr lang="en-US" sz="1800" dirty="0"/>
+          </a:p>
+          <a:p>
+            <a:pPr marL="0" indent="0">
+              <a:buNone/>
+            </a:pPr>
+            <a:endParaRPr lang="en-US" sz="1800" dirty="0" smtClean="0"/>
+          </a:p>
+          <a:p>
+            <a:pPr marL="0" indent="0">
+              <a:buNone/>
+            </a:pPr>
+            <a:r>
+              <a:rPr lang="en-US" sz="1800" dirty="0" smtClean="0"/>
+              <a:t> </a:t>
+            </a:r>
+            <a:endParaRPr lang="en-US" sz="1800" dirty="0"/>
           </a:p>
         </p:txBody>
       </p:sp>
@@ -11026,6 +11162,198 @@
           </a:p>
         </p:txBody>
       </p:sp>
+      <p:sp>
+        <p:nvSpPr>
+          <p:cNvPr id="5" name="Textfeld 4"/>
+          <p:cNvSpPr txBox="1"/>
+          <p:nvPr/>
+        </p:nvSpPr>
+        <p:spPr>
+          <a:xfrm>
+            <a:off x="525111" y="4719936"/>
+            <a:ext cx="1845377" cy="461665"/>
+          </a:xfrm>
+          <a:prstGeom prst="rect">
+            <a:avLst/>
+          </a:prstGeom>
+          <a:noFill/>
+        </p:spPr>
+        <p:txBody>
+          <a:bodyPr wrap="none" rtlCol="0">
+            <a:spAutoFit/>
+          </a:bodyPr>
+          <a:lstStyle/>
+          <a:p>
+            <a:r>
+              <a:rPr lang="de-DE" dirty="0" err="1" smtClean="0"/>
+              <a:t>LoRa</a:t>
+            </a:r>
+            <a:r>
+              <a:rPr lang="de-DE" dirty="0" smtClean="0"/>
+              <a:t> </a:t>
+            </a:r>
+            <a:r>
+              <a:rPr lang="de-DE" dirty="0" err="1" smtClean="0"/>
+              <a:t>Motes</a:t>
+            </a:r>
+            <a:endParaRPr lang="de-DE" dirty="0"/>
+          </a:p>
+        </p:txBody>
+      </p:sp>
+      <p:cxnSp>
+        <p:nvCxnSpPr>
+          <p:cNvPr id="7" name="Gewinkelter Verbinder 6"/>
+          <p:cNvCxnSpPr>
+            <a:stCxn id="5" idx="2"/>
+          </p:cNvCxnSpPr>
+          <p:nvPr/>
+        </p:nvCxnSpPr>
+        <p:spPr bwMode="auto">
+          <a:xfrm rot="16200000" flipH="1">
+            <a:off x="1772995" y="4856405"/>
+            <a:ext cx="536873" cy="1187263"/>
+          </a:xfrm>
+          <a:prstGeom prst="bentConnector2">
+            <a:avLst/>
+          </a:prstGeom>
+          <a:solidFill>
+            <a:schemeClr val="accent1"/>
+          </a:solidFill>
+          <a:ln w="9525" cap="flat" cmpd="sng" algn="ctr">
+            <a:solidFill>
+              <a:schemeClr val="tx1"/>
+            </a:solidFill>
+            <a:prstDash val="solid"/>
+            <a:round/>
+            <a:headEnd type="none" w="med" len="med"/>
+            <a:tailEnd type="triangle"/>
+          </a:ln>
+          <a:effectLst/>
+        </p:spPr>
+      </p:cxnSp>
+      <p:pic>
+        <p:nvPicPr>
+          <p:cNvPr id="8" name="Grafik 7"/>
+          <p:cNvPicPr>
+            <a:picLocks noChangeAspect="1"/>
+          </p:cNvPicPr>
+          <p:nvPr/>
+        </p:nvPicPr>
+        <p:blipFill>
+          <a:blip r:embed="rId2" cstate="hqprint">
+            <a:extLst>
+              <a:ext uri="{28A0092B-C50C-407E-A947-70E740481C1C}">
+                <a14:useLocalDpi xmlns:a14="http://schemas.microsoft.com/office/drawing/2010/main" val="0"/>
+              </a:ext>
+            </a:extLst>
+          </a:blip>
+          <a:stretch>
+            <a:fillRect/>
+          </a:stretch>
+        </p:blipFill>
+        <p:spPr>
+          <a:xfrm>
+            <a:off x="2362200" y="4114800"/>
+            <a:ext cx="3276600" cy="2184400"/>
+          </a:xfrm>
+          <a:prstGeom prst="rect">
+            <a:avLst/>
+          </a:prstGeom>
+        </p:spPr>
+      </p:pic>
+      <p:sp>
+        <p:nvSpPr>
+          <p:cNvPr id="9" name="Textfeld 8"/>
+          <p:cNvSpPr txBox="1"/>
+          <p:nvPr/>
+        </p:nvSpPr>
+        <p:spPr>
+          <a:xfrm>
+            <a:off x="5851733" y="4266379"/>
+            <a:ext cx="2222083" cy="461665"/>
+          </a:xfrm>
+          <a:prstGeom prst="rect">
+            <a:avLst/>
+          </a:prstGeom>
+          <a:noFill/>
+        </p:spPr>
+        <p:txBody>
+          <a:bodyPr wrap="none" rtlCol="0">
+            <a:spAutoFit/>
+          </a:bodyPr>
+          <a:lstStyle/>
+          <a:p>
+            <a:r>
+              <a:rPr lang="de-DE" dirty="0" err="1" smtClean="0"/>
+              <a:t>LoRa</a:t>
+            </a:r>
+            <a:r>
+              <a:rPr lang="de-DE" dirty="0" smtClean="0"/>
+              <a:t> Gateway</a:t>
+            </a:r>
+            <a:endParaRPr lang="de-DE" dirty="0"/>
+          </a:p>
+        </p:txBody>
+      </p:sp>
+      <p:cxnSp>
+        <p:nvCxnSpPr>
+          <p:cNvPr id="11" name="Gewinkelter Verbinder 10"/>
+          <p:cNvCxnSpPr>
+            <a:stCxn id="9" idx="2"/>
+          </p:cNvCxnSpPr>
+          <p:nvPr/>
+        </p:nvCxnSpPr>
+        <p:spPr bwMode="auto">
+          <a:xfrm rot="5400000">
+            <a:off x="5665569" y="4533208"/>
+            <a:ext cx="1102371" cy="1492042"/>
+          </a:xfrm>
+          <a:prstGeom prst="bentConnector2">
+            <a:avLst/>
+          </a:prstGeom>
+          <a:solidFill>
+            <a:schemeClr val="accent1"/>
+          </a:solidFill>
+          <a:ln w="9525" cap="flat" cmpd="sng" algn="ctr">
+            <a:solidFill>
+              <a:schemeClr val="tx1"/>
+            </a:solidFill>
+            <a:prstDash val="solid"/>
+            <a:round/>
+            <a:headEnd type="none" w="med" len="med"/>
+            <a:tailEnd type="triangle"/>
+          </a:ln>
+          <a:effectLst/>
+        </p:spPr>
+      </p:cxnSp>
+      <p:sp>
+        <p:nvSpPr>
+          <p:cNvPr id="13" name="Rechteck 12"/>
+          <p:cNvSpPr/>
+          <p:nvPr/>
+        </p:nvSpPr>
+        <p:spPr>
+          <a:xfrm>
+            <a:off x="447675" y="6244615"/>
+            <a:ext cx="8696325" cy="276999"/>
+          </a:xfrm>
+          <a:prstGeom prst="rect">
+            <a:avLst/>
+          </a:prstGeom>
+        </p:spPr>
+        <p:txBody>
+          <a:bodyPr wrap="square">
+            <a:spAutoFit/>
+          </a:bodyPr>
+          <a:lstStyle/>
+          <a:p>
+            <a:r>
+              <a:rPr lang="de-DE" sz="1200" dirty="0"/>
+              <a:t>https://www.microchip.com/DevelopmentTools/ProductDetails/dv164140-1#additional-summary</a:t>
+            </a:r>
+          </a:p>
+        </p:txBody>
+      </p:sp>
     </p:spTree>
     <p:extLst>
       <p:ext uri="{BB962C8B-B14F-4D97-AF65-F5344CB8AC3E}">
@@ -11040,6 +11368,118 @@
 </file>
 
 <file path=ppt/slides/slide14.xml><?xml version="1.0" encoding="utf-8"?>
+<p:sld xmlns:a="http://schemas.openxmlformats.org/drawingml/2006/main" xmlns:r="http://schemas.openxmlformats.org/officeDocument/2006/relationships" xmlns:p="http://schemas.openxmlformats.org/presentationml/2006/main">
+  <p:cSld>
+    <p:spTree>
+      <p:nvGrpSpPr>
+        <p:cNvPr id="1" name=""/>
+        <p:cNvGrpSpPr/>
+        <p:nvPr/>
+      </p:nvGrpSpPr>
+      <p:grpSpPr>
+        <a:xfrm>
+          <a:off x="0" y="0"/>
+          <a:ext cx="0" cy="0"/>
+          <a:chOff x="0" y="0"/>
+          <a:chExt cx="0" cy="0"/>
+        </a:xfrm>
+      </p:grpSpPr>
+      <p:pic>
+        <p:nvPicPr>
+          <p:cNvPr id="1026" name="Picture 2" descr="image001"/>
+          <p:cNvPicPr>
+            <a:picLocks noChangeAspect="1" noChangeArrowheads="1"/>
+          </p:cNvPicPr>
+          <p:nvPr/>
+        </p:nvPicPr>
+        <p:blipFill>
+          <a:blip r:embed="rId2">
+            <a:extLst>
+              <a:ext uri="{28A0092B-C50C-407E-A947-70E740481C1C}">
+                <a14:useLocalDpi xmlns:a14="http://schemas.microsoft.com/office/drawing/2010/main" val="0"/>
+              </a:ext>
+            </a:extLst>
+          </a:blip>
+          <a:srcRect/>
+          <a:stretch>
+            <a:fillRect/>
+          </a:stretch>
+        </p:blipFill>
+        <p:spPr bwMode="auto">
+          <a:xfrm>
+            <a:off x="152400" y="228600"/>
+            <a:ext cx="4572000" cy="6468894"/>
+          </a:xfrm>
+          <a:prstGeom prst="rect">
+            <a:avLst/>
+          </a:prstGeom>
+          <a:noFill/>
+          <a:ln>
+            <a:noFill/>
+          </a:ln>
+          <a:extLst>
+            <a:ext uri="{909E8E84-426E-40DD-AFC4-6F175D3DCCD1}">
+              <a14:hiddenFill xmlns:a14="http://schemas.microsoft.com/office/drawing/2010/main">
+                <a:solidFill>
+                  <a:srgbClr val="FFFFFF"/>
+                </a:solidFill>
+              </a14:hiddenFill>
+            </a:ext>
+            <a:ext uri="{91240B29-F687-4F45-9708-019B960494DF}">
+              <a14:hiddenLine xmlns:a14="http://schemas.microsoft.com/office/drawing/2010/main" w="9525">
+                <a:solidFill>
+                  <a:srgbClr val="000000"/>
+                </a:solidFill>
+                <a:miter lim="800000"/>
+                <a:headEnd/>
+                <a:tailEnd/>
+              </a14:hiddenLine>
+            </a:ext>
+          </a:extLst>
+        </p:spPr>
+      </p:pic>
+      <p:sp>
+        <p:nvSpPr>
+          <p:cNvPr id="7" name="Rechteck 6"/>
+          <p:cNvSpPr/>
+          <p:nvPr/>
+        </p:nvSpPr>
+        <p:spPr>
+          <a:xfrm>
+            <a:off x="4876800" y="2632050"/>
+            <a:ext cx="4014952" cy="830997"/>
+          </a:xfrm>
+          <a:prstGeom prst="rect">
+            <a:avLst/>
+          </a:prstGeom>
+        </p:spPr>
+        <p:txBody>
+          <a:bodyPr wrap="square">
+            <a:spAutoFit/>
+          </a:bodyPr>
+          <a:lstStyle/>
+          <a:p>
+            <a:r>
+              <a:rPr lang="de-DE" dirty="0"/>
+              <a:t>https://www.iis.fraunhofer.de/de/jobs/summercamp.html</a:t>
+            </a:r>
+          </a:p>
+        </p:txBody>
+      </p:sp>
+    </p:spTree>
+    <p:extLst>
+      <p:ext uri="{BB962C8B-B14F-4D97-AF65-F5344CB8AC3E}">
+        <p14:creationId xmlns:p14="http://schemas.microsoft.com/office/powerpoint/2010/main" val="2564307890"/>
+      </p:ext>
+    </p:extLst>
+  </p:cSld>
+  <p:clrMapOvr>
+    <a:masterClrMapping/>
+  </p:clrMapOvr>
+</p:sld>
+</file>
+
+<file path=ppt/slides/slide15.xml><?xml version="1.0" encoding="utf-8"?>
 <p:sld xmlns:a="http://schemas.openxmlformats.org/drawingml/2006/main" xmlns:r="http://schemas.openxmlformats.org/officeDocument/2006/relationships" xmlns:p="http://schemas.openxmlformats.org/presentationml/2006/main">
   <p:cSld>
     <p:spTree>
@@ -11127,7 +11567,7 @@
 </p:sld>
 </file>
 
-<file path=ppt/slides/slide15.xml><?xml version="1.0" encoding="utf-8"?>
+<file path=ppt/slides/slide16.xml><?xml version="1.0" encoding="utf-8"?>
 <p:sld xmlns:a="http://schemas.openxmlformats.org/drawingml/2006/main" xmlns:r="http://schemas.openxmlformats.org/officeDocument/2006/relationships" xmlns:p="http://schemas.openxmlformats.org/presentationml/2006/main">
   <p:cSld>
     <p:spTree>
@@ -11320,7 +11760,7 @@
 </p:sld>
 </file>
 
-<file path=ppt/slides/slide16.xml><?xml version="1.0" encoding="utf-8"?>
+<file path=ppt/slides/slide17.xml><?xml version="1.0" encoding="utf-8"?>
 <p:sld xmlns:a="http://schemas.openxmlformats.org/drawingml/2006/main" xmlns:r="http://schemas.openxmlformats.org/officeDocument/2006/relationships" xmlns:p="http://schemas.openxmlformats.org/presentationml/2006/main">
   <p:cSld>
     <p:spTree>
@@ -11512,7 +11952,7 @@
 </p:sld>
 </file>
 
-<file path=ppt/slides/slide17.xml><?xml version="1.0" encoding="utf-8"?>
+<file path=ppt/slides/slide18.xml><?xml version="1.0" encoding="utf-8"?>
 <p:sld xmlns:a="http://schemas.openxmlformats.org/drawingml/2006/main" xmlns:r="http://schemas.openxmlformats.org/officeDocument/2006/relationships" xmlns:p="http://schemas.openxmlformats.org/presentationml/2006/main">
   <p:cSld>
     <p:spTree>
@@ -12224,7 +12664,7 @@
 </p:sld>
 </file>
 
-<file path=ppt/slides/slide18.xml><?xml version="1.0" encoding="utf-8"?>
+<file path=ppt/slides/slide19.xml><?xml version="1.0" encoding="utf-8"?>
 <p:sld xmlns:a="http://schemas.openxmlformats.org/drawingml/2006/main" xmlns:r="http://schemas.openxmlformats.org/officeDocument/2006/relationships" xmlns:p="http://schemas.openxmlformats.org/presentationml/2006/main">
   <p:cSld>
     <p:spTree>
@@ -12429,205 +12869,6 @@
     <p:extLst>
       <p:ext uri="{BB962C8B-B14F-4D97-AF65-F5344CB8AC3E}">
         <p14:creationId xmlns:p14="http://schemas.microsoft.com/office/powerpoint/2010/main" val="1897360488"/>
-      </p:ext>
-    </p:extLst>
-  </p:cSld>
-  <p:clrMapOvr>
-    <a:masterClrMapping/>
-  </p:clrMapOvr>
-</p:sld>
-</file>
-
-<file path=ppt/slides/slide19.xml><?xml version="1.0" encoding="utf-8"?>
-<p:sld xmlns:a="http://schemas.openxmlformats.org/drawingml/2006/main" xmlns:r="http://schemas.openxmlformats.org/officeDocument/2006/relationships" xmlns:p="http://schemas.openxmlformats.org/presentationml/2006/main">
-  <p:cSld>
-    <p:spTree>
-      <p:nvGrpSpPr>
-        <p:cNvPr id="1" name=""/>
-        <p:cNvGrpSpPr/>
-        <p:nvPr/>
-      </p:nvGrpSpPr>
-      <p:grpSpPr>
-        <a:xfrm>
-          <a:off x="0" y="0"/>
-          <a:ext cx="0" cy="0"/>
-          <a:chOff x="0" y="0"/>
-          <a:chExt cx="0" cy="0"/>
-        </a:xfrm>
-      </p:grpSpPr>
-      <p:sp>
-        <p:nvSpPr>
-          <p:cNvPr id="2" name="Content Placeholder 1">
-            <a:extLst>
-              <a:ext uri="{FF2B5EF4-FFF2-40B4-BE49-F238E27FC236}">
-                <a16:creationId xmlns:a16="http://schemas.microsoft.com/office/drawing/2014/main" id="{CABD7854-0C64-4C8F-959C-0040454D9CA2}"/>
-              </a:ext>
-            </a:extLst>
-          </p:cNvPr>
-          <p:cNvSpPr>
-            <a:spLocks noGrp="1"/>
-          </p:cNvSpPr>
-          <p:nvPr>
-            <p:ph idx="1"/>
-          </p:nvPr>
-        </p:nvSpPr>
-        <p:spPr>
-          <a:xfrm>
-            <a:off x="352425" y="1752600"/>
-            <a:ext cx="8439150" cy="4106862"/>
-          </a:xfrm>
-        </p:spPr>
-        <p:txBody>
-          <a:bodyPr/>
-          <a:lstStyle/>
-          <a:p>
-            <a:r>
-              <a:rPr lang="en-US" sz="1600" dirty="0"/>
-              <a:t> Constrained web protocol fulfilling M2M requirements</a:t>
-            </a:r>
-          </a:p>
-          <a:p>
-            <a:r>
-              <a:rPr lang="en-US" sz="1600" dirty="0"/>
-              <a:t> UDP binding with optional reliability supporting unicast and multicast requests</a:t>
-            </a:r>
-          </a:p>
-          <a:p>
-            <a:r>
-              <a:rPr lang="en-US" sz="1600" dirty="0"/>
-              <a:t> Asynchronous message exchanges</a:t>
-            </a:r>
-          </a:p>
-          <a:p>
-            <a:r>
-              <a:rPr lang="en-US" sz="1600" dirty="0"/>
-              <a:t> Low header overhead and parsing complexity</a:t>
-            </a:r>
-          </a:p>
-          <a:p>
-            <a:r>
-              <a:rPr lang="en-US" sz="1600" dirty="0"/>
-              <a:t> URI and Content-type support</a:t>
-            </a:r>
-          </a:p>
-          <a:p>
-            <a:r>
-              <a:rPr lang="en-US" sz="1600" dirty="0"/>
-              <a:t> Simple proxy and caching capabilities</a:t>
-            </a:r>
-          </a:p>
-          <a:p>
-            <a:r>
-              <a:rPr lang="en-US" sz="1600" dirty="0"/>
-              <a:t> Stateless HTTP mapping, allowing proxies to be built providing access to </a:t>
-            </a:r>
-            <a:r>
-              <a:rPr lang="en-US" sz="1600" dirty="0" err="1"/>
-              <a:t>CoAP</a:t>
-            </a:r>
-            <a:r>
-              <a:rPr lang="en-US" sz="1600" dirty="0"/>
-              <a:t> resources via HTTP in a uniform way or for HTTP simple interfaces to be realized alternatively over </a:t>
-            </a:r>
-            <a:r>
-              <a:rPr lang="en-US" sz="1600" dirty="0" err="1"/>
-              <a:t>CoAP</a:t>
-            </a:r>
-            <a:endParaRPr lang="en-US" sz="1600" dirty="0"/>
-          </a:p>
-          <a:p>
-            <a:r>
-              <a:rPr lang="en-US" sz="1600" dirty="0"/>
-              <a:t> Security binding to Datagram Transport Layer Security (DT</a:t>
-            </a:r>
-          </a:p>
-          <a:p>
-            <a:endParaRPr lang="en-US" sz="1600" dirty="0"/>
-          </a:p>
-          <a:p>
-            <a:r>
-              <a:rPr lang="en-US" sz="1600" dirty="0"/>
-              <a:t> Address in </a:t>
-            </a:r>
-            <a:r>
-              <a:rPr lang="en-US" sz="1600" dirty="0" err="1"/>
-              <a:t>CoAP</a:t>
-            </a:r>
-            <a:r>
-              <a:rPr lang="en-US" sz="1600" dirty="0"/>
-              <a:t> is also styled like HTTP. </a:t>
-            </a:r>
-          </a:p>
-          <a:p>
-            <a:endParaRPr lang="en-US" sz="1600" dirty="0"/>
-          </a:p>
-          <a:p>
-            <a:pPr marL="0" indent="0">
-              <a:buNone/>
-            </a:pPr>
-            <a:r>
-              <a:rPr lang="en-US" sz="1600" dirty="0"/>
-              <a:t>	coap://host[:port]/path[?query]</a:t>
-            </a:r>
-          </a:p>
-          <a:p>
-            <a:endParaRPr lang="en-US" sz="1600" dirty="0"/>
-          </a:p>
-          <a:p>
-            <a:r>
-              <a:rPr lang="en-US" sz="1600" dirty="0"/>
-              <a:t> </a:t>
-            </a:r>
-            <a:r>
-              <a:rPr lang="en-US" sz="1600" dirty="0" err="1"/>
-              <a:t>CoAP</a:t>
-            </a:r>
-            <a:r>
-              <a:rPr lang="en-US" sz="1600" dirty="0"/>
-              <a:t> uses requests such as GET, PUT, POST and DELETE</a:t>
-            </a:r>
-          </a:p>
-          <a:p>
-            <a:endParaRPr lang="en-US" sz="1600" dirty="0"/>
-          </a:p>
-          <a:p>
-            <a:endParaRPr lang="en-US" sz="1600" dirty="0"/>
-          </a:p>
-        </p:txBody>
-      </p:sp>
-      <p:sp>
-        <p:nvSpPr>
-          <p:cNvPr id="3" name="Title 2">
-            <a:extLst>
-              <a:ext uri="{FF2B5EF4-FFF2-40B4-BE49-F238E27FC236}">
-                <a16:creationId xmlns:a16="http://schemas.microsoft.com/office/drawing/2014/main" id="{53B0CF9F-FD84-4D9C-BCBC-D65CD02C2987}"/>
-              </a:ext>
-            </a:extLst>
-          </p:cNvPr>
-          <p:cNvSpPr>
-            <a:spLocks noGrp="1"/>
-          </p:cNvSpPr>
-          <p:nvPr>
-            <p:ph type="title"/>
-          </p:nvPr>
-        </p:nvSpPr>
-        <p:spPr/>
-        <p:txBody>
-          <a:bodyPr/>
-          <a:lstStyle/>
-          <a:p>
-            <a:r>
-              <a:rPr lang="en-US" dirty="0" err="1"/>
-              <a:t>CoAP</a:t>
-            </a:r>
-            <a:endParaRPr lang="en-US" dirty="0"/>
-          </a:p>
-        </p:txBody>
-      </p:sp>
-    </p:spTree>
-    <p:extLst>
-      <p:ext uri="{BB962C8B-B14F-4D97-AF65-F5344CB8AC3E}">
-        <p14:creationId xmlns:p14="http://schemas.microsoft.com/office/powerpoint/2010/main" val="783779610"/>
       </p:ext>
     </p:extLst>
   </p:cSld>
@@ -14651,6 +14892,205 @@
       </p:grpSpPr>
       <p:sp>
         <p:nvSpPr>
+          <p:cNvPr id="2" name="Content Placeholder 1">
+            <a:extLst>
+              <a:ext uri="{FF2B5EF4-FFF2-40B4-BE49-F238E27FC236}">
+                <a16:creationId xmlns:a16="http://schemas.microsoft.com/office/drawing/2014/main" id="{CABD7854-0C64-4C8F-959C-0040454D9CA2}"/>
+              </a:ext>
+            </a:extLst>
+          </p:cNvPr>
+          <p:cNvSpPr>
+            <a:spLocks noGrp="1"/>
+          </p:cNvSpPr>
+          <p:nvPr>
+            <p:ph idx="1"/>
+          </p:nvPr>
+        </p:nvSpPr>
+        <p:spPr>
+          <a:xfrm>
+            <a:off x="352425" y="1752600"/>
+            <a:ext cx="8439150" cy="4106862"/>
+          </a:xfrm>
+        </p:spPr>
+        <p:txBody>
+          <a:bodyPr/>
+          <a:lstStyle/>
+          <a:p>
+            <a:r>
+              <a:rPr lang="en-US" sz="1600" dirty="0"/>
+              <a:t> Constrained web protocol fulfilling M2M requirements</a:t>
+            </a:r>
+          </a:p>
+          <a:p>
+            <a:r>
+              <a:rPr lang="en-US" sz="1600" dirty="0"/>
+              <a:t> UDP binding with optional reliability supporting unicast and multicast requests</a:t>
+            </a:r>
+          </a:p>
+          <a:p>
+            <a:r>
+              <a:rPr lang="en-US" sz="1600" dirty="0"/>
+              <a:t> Asynchronous message exchanges</a:t>
+            </a:r>
+          </a:p>
+          <a:p>
+            <a:r>
+              <a:rPr lang="en-US" sz="1600" dirty="0"/>
+              <a:t> Low header overhead and parsing complexity</a:t>
+            </a:r>
+          </a:p>
+          <a:p>
+            <a:r>
+              <a:rPr lang="en-US" sz="1600" dirty="0"/>
+              <a:t> URI and Content-type support</a:t>
+            </a:r>
+          </a:p>
+          <a:p>
+            <a:r>
+              <a:rPr lang="en-US" sz="1600" dirty="0"/>
+              <a:t> Simple proxy and caching capabilities</a:t>
+            </a:r>
+          </a:p>
+          <a:p>
+            <a:r>
+              <a:rPr lang="en-US" sz="1600" dirty="0"/>
+              <a:t> Stateless HTTP mapping, allowing proxies to be built providing access to </a:t>
+            </a:r>
+            <a:r>
+              <a:rPr lang="en-US" sz="1600" dirty="0" err="1"/>
+              <a:t>CoAP</a:t>
+            </a:r>
+            <a:r>
+              <a:rPr lang="en-US" sz="1600" dirty="0"/>
+              <a:t> resources via HTTP in a uniform way or for HTTP simple interfaces to be realized alternatively over </a:t>
+            </a:r>
+            <a:r>
+              <a:rPr lang="en-US" sz="1600" dirty="0" err="1"/>
+              <a:t>CoAP</a:t>
+            </a:r>
+            <a:endParaRPr lang="en-US" sz="1600" dirty="0"/>
+          </a:p>
+          <a:p>
+            <a:r>
+              <a:rPr lang="en-US" sz="1600" dirty="0"/>
+              <a:t> Security binding to Datagram Transport Layer Security (DT</a:t>
+            </a:r>
+          </a:p>
+          <a:p>
+            <a:endParaRPr lang="en-US" sz="1600" dirty="0"/>
+          </a:p>
+          <a:p>
+            <a:r>
+              <a:rPr lang="en-US" sz="1600" dirty="0"/>
+              <a:t> Address in </a:t>
+            </a:r>
+            <a:r>
+              <a:rPr lang="en-US" sz="1600" dirty="0" err="1"/>
+              <a:t>CoAP</a:t>
+            </a:r>
+            <a:r>
+              <a:rPr lang="en-US" sz="1600" dirty="0"/>
+              <a:t> is also styled like HTTP. </a:t>
+            </a:r>
+          </a:p>
+          <a:p>
+            <a:endParaRPr lang="en-US" sz="1600" dirty="0"/>
+          </a:p>
+          <a:p>
+            <a:pPr marL="0" indent="0">
+              <a:buNone/>
+            </a:pPr>
+            <a:r>
+              <a:rPr lang="en-US" sz="1600" dirty="0"/>
+              <a:t>	coap://host[:port]/path[?query]</a:t>
+            </a:r>
+          </a:p>
+          <a:p>
+            <a:endParaRPr lang="en-US" sz="1600" dirty="0"/>
+          </a:p>
+          <a:p>
+            <a:r>
+              <a:rPr lang="en-US" sz="1600" dirty="0"/>
+              <a:t> </a:t>
+            </a:r>
+            <a:r>
+              <a:rPr lang="en-US" sz="1600" dirty="0" err="1"/>
+              <a:t>CoAP</a:t>
+            </a:r>
+            <a:r>
+              <a:rPr lang="en-US" sz="1600" dirty="0"/>
+              <a:t> uses requests such as GET, PUT, POST and DELETE</a:t>
+            </a:r>
+          </a:p>
+          <a:p>
+            <a:endParaRPr lang="en-US" sz="1600" dirty="0"/>
+          </a:p>
+          <a:p>
+            <a:endParaRPr lang="en-US" sz="1600" dirty="0"/>
+          </a:p>
+        </p:txBody>
+      </p:sp>
+      <p:sp>
+        <p:nvSpPr>
+          <p:cNvPr id="3" name="Title 2">
+            <a:extLst>
+              <a:ext uri="{FF2B5EF4-FFF2-40B4-BE49-F238E27FC236}">
+                <a16:creationId xmlns:a16="http://schemas.microsoft.com/office/drawing/2014/main" id="{53B0CF9F-FD84-4D9C-BCBC-D65CD02C2987}"/>
+              </a:ext>
+            </a:extLst>
+          </p:cNvPr>
+          <p:cNvSpPr>
+            <a:spLocks noGrp="1"/>
+          </p:cNvSpPr>
+          <p:nvPr>
+            <p:ph type="title"/>
+          </p:nvPr>
+        </p:nvSpPr>
+        <p:spPr/>
+        <p:txBody>
+          <a:bodyPr/>
+          <a:lstStyle/>
+          <a:p>
+            <a:r>
+              <a:rPr lang="en-US" dirty="0" err="1"/>
+              <a:t>CoAP</a:t>
+            </a:r>
+            <a:endParaRPr lang="en-US" dirty="0"/>
+          </a:p>
+        </p:txBody>
+      </p:sp>
+    </p:spTree>
+    <p:extLst>
+      <p:ext uri="{BB962C8B-B14F-4D97-AF65-F5344CB8AC3E}">
+        <p14:creationId xmlns:p14="http://schemas.microsoft.com/office/powerpoint/2010/main" val="783779610"/>
+      </p:ext>
+    </p:extLst>
+  </p:cSld>
+  <p:clrMapOvr>
+    <a:masterClrMapping/>
+  </p:clrMapOvr>
+</p:sld>
+</file>
+
+<file path=ppt/slides/slide21.xml><?xml version="1.0" encoding="utf-8"?>
+<p:sld xmlns:a="http://schemas.openxmlformats.org/drawingml/2006/main" xmlns:r="http://schemas.openxmlformats.org/officeDocument/2006/relationships" xmlns:p="http://schemas.openxmlformats.org/presentationml/2006/main">
+  <p:cSld>
+    <p:spTree>
+      <p:nvGrpSpPr>
+        <p:cNvPr id="1" name=""/>
+        <p:cNvGrpSpPr/>
+        <p:nvPr/>
+      </p:nvGrpSpPr>
+      <p:grpSpPr>
+        <a:xfrm>
+          <a:off x="0" y="0"/>
+          <a:ext cx="0" cy="0"/>
+          <a:chOff x="0" y="0"/>
+          <a:chExt cx="0" cy="0"/>
+        </a:xfrm>
+      </p:grpSpPr>
+      <p:sp>
+        <p:nvSpPr>
           <p:cNvPr id="3" name="Title 2">
             <a:extLst>
               <a:ext uri="{FF2B5EF4-FFF2-40B4-BE49-F238E27FC236}">
@@ -14724,7 +15164,7 @@
 </p:sld>
 </file>
 
-<file path=ppt/slides/slide21.xml><?xml version="1.0" encoding="utf-8"?>
+<file path=ppt/slides/slide22.xml><?xml version="1.0" encoding="utf-8"?>
 <p:sld xmlns:a="http://schemas.openxmlformats.org/drawingml/2006/main" xmlns:r="http://schemas.openxmlformats.org/officeDocument/2006/relationships" xmlns:p="http://schemas.openxmlformats.org/presentationml/2006/main">
   <p:cSld>
     <p:spTree>
@@ -14816,7 +15256,7 @@
 </p:sld>
 </file>
 
-<file path=ppt/slides/slide22.xml><?xml version="1.0" encoding="utf-8"?>
+<file path=ppt/slides/slide23.xml><?xml version="1.0" encoding="utf-8"?>
 <p:sld xmlns:a="http://schemas.openxmlformats.org/drawingml/2006/main" xmlns:r="http://schemas.openxmlformats.org/officeDocument/2006/relationships" xmlns:p="http://schemas.openxmlformats.org/presentationml/2006/main">
   <p:cSld>
     <p:spTree>
@@ -14879,16 +15319,15 @@
           </p:cNvPicPr>
           <p:nvPr/>
         </p:nvPicPr>
-        <p:blipFill>
+        <p:blipFill rotWithShape="1">
           <a:blip r:embed="rId2"/>
-          <a:stretch>
-            <a:fillRect/>
-          </a:stretch>
+          <a:srcRect b="15501"/>
+          <a:stretch/>
         </p:blipFill>
         <p:spPr>
           <a:xfrm>
-            <a:off x="457200" y="1828800"/>
-            <a:ext cx="8229600" cy="4599105"/>
+            <a:off x="457200" y="1828801"/>
+            <a:ext cx="8229600" cy="3886200"/>
           </a:xfrm>
           <a:prstGeom prst="rect">
             <a:avLst/>
@@ -14908,7 +15347,7 @@
 </p:sld>
 </file>
 
-<file path=ppt/slides/slide23.xml><?xml version="1.0" encoding="utf-8"?>
+<file path=ppt/slides/slide24.xml><?xml version="1.0" encoding="utf-8"?>
 <p:sld xmlns:a="http://schemas.openxmlformats.org/drawingml/2006/main" xmlns:r="http://schemas.openxmlformats.org/officeDocument/2006/relationships" xmlns:p="http://schemas.openxmlformats.org/presentationml/2006/main">
   <p:cSld>
     <p:spTree>
@@ -15322,171 +15761,6 @@
     <p:extLst>
       <p:ext uri="{BB962C8B-B14F-4D97-AF65-F5344CB8AC3E}">
         <p14:creationId xmlns:p14="http://schemas.microsoft.com/office/powerpoint/2010/main" val="2725546366"/>
-      </p:ext>
-    </p:extLst>
-  </p:cSld>
-  <p:clrMapOvr>
-    <a:masterClrMapping/>
-  </p:clrMapOvr>
-</p:sld>
-</file>
-
-<file path=ppt/slides/slide24.xml><?xml version="1.0" encoding="utf-8"?>
-<p:sld xmlns:a="http://schemas.openxmlformats.org/drawingml/2006/main" xmlns:r="http://schemas.openxmlformats.org/officeDocument/2006/relationships" xmlns:p="http://schemas.openxmlformats.org/presentationml/2006/main">
-  <p:cSld>
-    <p:spTree>
-      <p:nvGrpSpPr>
-        <p:cNvPr id="1" name=""/>
-        <p:cNvGrpSpPr/>
-        <p:nvPr/>
-      </p:nvGrpSpPr>
-      <p:grpSpPr>
-        <a:xfrm>
-          <a:off x="0" y="0"/>
-          <a:ext cx="0" cy="0"/>
-          <a:chOff x="0" y="0"/>
-          <a:chExt cx="0" cy="0"/>
-        </a:xfrm>
-      </p:grpSpPr>
-      <p:sp>
-        <p:nvSpPr>
-          <p:cNvPr id="2" name="Content Placeholder 1">
-            <a:extLst>
-              <a:ext uri="{FF2B5EF4-FFF2-40B4-BE49-F238E27FC236}">
-                <a16:creationId xmlns:a16="http://schemas.microsoft.com/office/drawing/2014/main" id="{70D9E827-F7C8-4A1E-A184-821E5A7A2AB1}"/>
-              </a:ext>
-            </a:extLst>
-          </p:cNvPr>
-          <p:cNvSpPr>
-            <a:spLocks noGrp="1"/>
-          </p:cNvSpPr>
-          <p:nvPr>
-            <p:ph idx="1"/>
-          </p:nvPr>
-        </p:nvSpPr>
-        <p:spPr>
-          <a:xfrm>
-            <a:off x="609600" y="1989138"/>
-            <a:ext cx="8153400" cy="4106862"/>
-          </a:xfrm>
-        </p:spPr>
-        <p:txBody>
-          <a:bodyPr/>
-          <a:lstStyle/>
-          <a:p>
-            <a:r>
-              <a:rPr lang="en-US" sz="1600" dirty="0"/>
-              <a:t> MQTT is a lightweight</a:t>
-            </a:r>
-            <a:r>
-              <a:rPr lang="en-US" sz="1600" b="1" dirty="0"/>
-              <a:t> publish/subscribe</a:t>
-            </a:r>
-            <a:r>
-              <a:rPr lang="en-US" sz="1600" dirty="0"/>
-              <a:t> messaging protocol designed for M2M (machine to machine) telemetry in low bandwidth environments.</a:t>
-            </a:r>
-          </a:p>
-          <a:p>
-            <a:endParaRPr lang="en-US" sz="1600" dirty="0"/>
-          </a:p>
-          <a:p>
-            <a:r>
-              <a:rPr lang="en-US" sz="1600" dirty="0"/>
-              <a:t> It was designed by Andy Stanford-Clark (IBM) and Arlen Nipper in 1999 for connecting Oil Pipeline telemetry systems over satellite.</a:t>
-            </a:r>
-          </a:p>
-          <a:p>
-            <a:pPr marL="0" indent="0">
-              <a:buNone/>
-            </a:pPr>
-            <a:r>
-              <a:rPr lang="en-US" sz="1600" dirty="0"/>
-              <a:t> </a:t>
-            </a:r>
-          </a:p>
-          <a:p>
-            <a:r>
-              <a:rPr lang="en-US" sz="1600" dirty="0"/>
-              <a:t>Although it started as a proprietary protocol it was released Royalty free in 2010 and became an OASIS standard in 2014.</a:t>
-            </a:r>
-          </a:p>
-          <a:p>
-            <a:endParaRPr lang="en-US" sz="1600" dirty="0"/>
-          </a:p>
-          <a:p>
-            <a:r>
-              <a:rPr lang="en-US" sz="1600" b="1" dirty="0"/>
-              <a:t>MQTT</a:t>
-            </a:r>
-            <a:r>
-              <a:rPr lang="en-US" sz="1600" dirty="0"/>
-              <a:t> stands for </a:t>
-            </a:r>
-            <a:r>
-              <a:rPr lang="en-US" sz="1600" b="1" dirty="0"/>
-              <a:t>MQ</a:t>
-            </a:r>
-            <a:r>
-              <a:rPr lang="en-US" sz="1600" dirty="0"/>
-              <a:t> Telemetry Transport but previously was known as Message Queuing Telemetry Transport.</a:t>
-            </a:r>
-          </a:p>
-          <a:p>
-            <a:endParaRPr lang="en-US" sz="1600" dirty="0"/>
-          </a:p>
-          <a:p>
-            <a:r>
-              <a:rPr lang="en-US" sz="1600" b="1" dirty="0"/>
-              <a:t>MQTT</a:t>
-            </a:r>
-            <a:r>
-              <a:rPr lang="en-US" sz="1600" dirty="0"/>
-              <a:t> is fast becoming one of the main protocols for</a:t>
-            </a:r>
-            <a:r>
-              <a:rPr lang="en-US" sz="1600" b="1" dirty="0"/>
-              <a:t> IOT</a:t>
-            </a:r>
-            <a:r>
-              <a:rPr lang="en-US" sz="1600" dirty="0"/>
-              <a:t> (internet of things) deployments</a:t>
-            </a:r>
-          </a:p>
-        </p:txBody>
-      </p:sp>
-      <p:sp>
-        <p:nvSpPr>
-          <p:cNvPr id="3" name="Title 2">
-            <a:extLst>
-              <a:ext uri="{FF2B5EF4-FFF2-40B4-BE49-F238E27FC236}">
-                <a16:creationId xmlns:a16="http://schemas.microsoft.com/office/drawing/2014/main" id="{101C59DD-A826-4491-A139-6800C7A0E847}"/>
-              </a:ext>
-            </a:extLst>
-          </p:cNvPr>
-          <p:cNvSpPr>
-            <a:spLocks noGrp="1"/>
-          </p:cNvSpPr>
-          <p:nvPr>
-            <p:ph type="title"/>
-          </p:nvPr>
-        </p:nvSpPr>
-        <p:spPr/>
-        <p:txBody>
-          <a:bodyPr/>
-          <a:lstStyle/>
-          <a:p>
-            <a:r>
-              <a:rPr lang="en-US" dirty="0"/>
-              <a:t>MQTT</a:t>
-            </a:r>
-          </a:p>
-        </p:txBody>
-      </p:sp>
-    </p:spTree>
-    <p:extLst>
-      <p:ext uri="{BB962C8B-B14F-4D97-AF65-F5344CB8AC3E}">
-        <p14:creationId xmlns:p14="http://schemas.microsoft.com/office/powerpoint/2010/main" val="1093543262"/>
       </p:ext>
     </p:extLst>
   </p:cSld>
@@ -15651,7 +15925,7 @@
     </p:spTree>
     <p:extLst>
       <p:ext uri="{BB962C8B-B14F-4D97-AF65-F5344CB8AC3E}">
-        <p14:creationId xmlns:p14="http://schemas.microsoft.com/office/powerpoint/2010/main" val="1504810263"/>
+        <p14:creationId xmlns:p14="http://schemas.microsoft.com/office/powerpoint/2010/main" val="1093543262"/>
       </p:ext>
     </p:extLst>
   </p:cSld>
@@ -15704,45 +15978,83 @@
           <a:bodyPr/>
           <a:lstStyle/>
           <a:p>
+            <a:r>
+              <a:rPr lang="en-US" sz="1600" dirty="0"/>
+              <a:t> MQTT is a lightweight</a:t>
+            </a:r>
+            <a:r>
+              <a:rPr lang="en-US" sz="1600" b="1" dirty="0"/>
+              <a:t> publish/subscribe</a:t>
+            </a:r>
+            <a:r>
+              <a:rPr lang="en-US" sz="1600" dirty="0"/>
+              <a:t> messaging protocol designed for M2M (machine to machine) telemetry in low bandwidth environments.</a:t>
+            </a:r>
+          </a:p>
+          <a:p>
+            <a:endParaRPr lang="en-US" sz="1600" dirty="0"/>
+          </a:p>
+          <a:p>
+            <a:r>
+              <a:rPr lang="en-US" sz="1600" dirty="0"/>
+              <a:t> It was designed by Andy Stanford-Clark (IBM) and Arlen Nipper in 1999 for connecting Oil Pipeline telemetry systems over satellite.</a:t>
+            </a:r>
+          </a:p>
+          <a:p>
             <a:pPr marL="0" indent="0">
               <a:buNone/>
             </a:pPr>
             <a:r>
               <a:rPr lang="en-US" sz="1600" dirty="0"/>
-              <a:t> There are two versions of MQTT.</a:t>
+              <a:t> </a:t>
+            </a:r>
+          </a:p>
+          <a:p>
+            <a:r>
+              <a:rPr lang="en-US" sz="1600" dirty="0"/>
+              <a:t>Although it started as a proprietary protocol it was released Royalty free in 2010 and became an OASIS standard in 2014.</a:t>
             </a:r>
           </a:p>
           <a:p>
             <a:endParaRPr lang="en-US" sz="1600" dirty="0"/>
           </a:p>
           <a:p>
-            <a:pPr lvl="1"/>
+            <a:r>
+              <a:rPr lang="en-US" sz="1600" b="1" dirty="0"/>
+              <a:t>MQTT</a:t>
+            </a:r>
             <a:r>
               <a:rPr lang="en-US" sz="1600" dirty="0"/>
-              <a:t> The original MQTT which was designed in 1999 and has been in use for many years and designed for TCP/IP networks.</a:t>
+              <a:t> stands for </a:t>
+            </a:r>
+            <a:r>
+              <a:rPr lang="en-US" sz="1600" b="1" dirty="0"/>
+              <a:t>MQ</a:t>
+            </a:r>
+            <a:r>
+              <a:rPr lang="en-US" sz="1600" dirty="0"/>
+              <a:t> Telemetry Transport but previously was known as Message Queuing Telemetry Transport.</a:t>
             </a:r>
           </a:p>
           <a:p>
             <a:endParaRPr lang="en-US" sz="1600" dirty="0"/>
           </a:p>
           <a:p>
-            <a:endParaRPr lang="en-US" sz="1600" dirty="0"/>
-          </a:p>
-          <a:p>
-            <a:pPr lvl="1"/>
+            <a:r>
+              <a:rPr lang="en-US" sz="1600" b="1" dirty="0"/>
+              <a:t>MQTT</a:t>
+            </a:r>
             <a:r>
               <a:rPr lang="en-US" sz="1600" dirty="0"/>
-              <a:t> MQTT-SN which was specified in around 2013, and designed to work over UDP, ZigBee and other transports.</a:t>
-            </a:r>
-          </a:p>
-          <a:p>
-            <a:endParaRPr lang="en-US" sz="1600" dirty="0"/>
-          </a:p>
-          <a:p>
-            <a:pPr lvl="1"/>
+              <a:t> is fast becoming one of the main protocols for</a:t>
+            </a:r>
+            <a:r>
+              <a:rPr lang="en-US" sz="1600" b="1" dirty="0"/>
+              <a:t> IOT</a:t>
+            </a:r>
             <a:r>
               <a:rPr lang="en-US" sz="1600" dirty="0"/>
-              <a:t> MQTT-SN doesn’t currently appear to be very popular. and the specification hasn’t changed for several years</a:t>
+              <a:t> (internet of things) deployments</a:t>
             </a:r>
           </a:p>
         </p:txBody>
@@ -15770,6 +16082,133 @@
           <a:p>
             <a:r>
               <a:rPr lang="en-US" dirty="0"/>
+              <a:t>MQTT</a:t>
+            </a:r>
+          </a:p>
+        </p:txBody>
+      </p:sp>
+    </p:spTree>
+    <p:extLst>
+      <p:ext uri="{BB962C8B-B14F-4D97-AF65-F5344CB8AC3E}">
+        <p14:creationId xmlns:p14="http://schemas.microsoft.com/office/powerpoint/2010/main" val="1504810263"/>
+      </p:ext>
+    </p:extLst>
+  </p:cSld>
+  <p:clrMapOvr>
+    <a:masterClrMapping/>
+  </p:clrMapOvr>
+</p:sld>
+</file>
+
+<file path=ppt/slides/slide27.xml><?xml version="1.0" encoding="utf-8"?>
+<p:sld xmlns:a="http://schemas.openxmlformats.org/drawingml/2006/main" xmlns:r="http://schemas.openxmlformats.org/officeDocument/2006/relationships" xmlns:p="http://schemas.openxmlformats.org/presentationml/2006/main">
+  <p:cSld>
+    <p:spTree>
+      <p:nvGrpSpPr>
+        <p:cNvPr id="1" name=""/>
+        <p:cNvGrpSpPr/>
+        <p:nvPr/>
+      </p:nvGrpSpPr>
+      <p:grpSpPr>
+        <a:xfrm>
+          <a:off x="0" y="0"/>
+          <a:ext cx="0" cy="0"/>
+          <a:chOff x="0" y="0"/>
+          <a:chExt cx="0" cy="0"/>
+        </a:xfrm>
+      </p:grpSpPr>
+      <p:sp>
+        <p:nvSpPr>
+          <p:cNvPr id="2" name="Content Placeholder 1">
+            <a:extLst>
+              <a:ext uri="{FF2B5EF4-FFF2-40B4-BE49-F238E27FC236}">
+                <a16:creationId xmlns:a16="http://schemas.microsoft.com/office/drawing/2014/main" id="{70D9E827-F7C8-4A1E-A184-821E5A7A2AB1}"/>
+              </a:ext>
+            </a:extLst>
+          </p:cNvPr>
+          <p:cNvSpPr>
+            <a:spLocks noGrp="1"/>
+          </p:cNvSpPr>
+          <p:nvPr>
+            <p:ph idx="1"/>
+          </p:nvPr>
+        </p:nvSpPr>
+        <p:spPr>
+          <a:xfrm>
+            <a:off x="609600" y="1989138"/>
+            <a:ext cx="8153400" cy="4106862"/>
+          </a:xfrm>
+        </p:spPr>
+        <p:txBody>
+          <a:bodyPr/>
+          <a:lstStyle/>
+          <a:p>
+            <a:pPr marL="0" indent="0">
+              <a:buNone/>
+            </a:pPr>
+            <a:r>
+              <a:rPr lang="en-US" sz="1600" dirty="0"/>
+              <a:t> There are two versions of MQTT.</a:t>
+            </a:r>
+          </a:p>
+          <a:p>
+            <a:endParaRPr lang="en-US" sz="1600" dirty="0"/>
+          </a:p>
+          <a:p>
+            <a:pPr lvl="1"/>
+            <a:r>
+              <a:rPr lang="en-US" sz="1600" dirty="0"/>
+              <a:t> The original MQTT which was designed in 1999 and has been in use for many years and designed for TCP/IP networks.</a:t>
+            </a:r>
+          </a:p>
+          <a:p>
+            <a:endParaRPr lang="en-US" sz="1600" dirty="0"/>
+          </a:p>
+          <a:p>
+            <a:endParaRPr lang="en-US" sz="1600" dirty="0"/>
+          </a:p>
+          <a:p>
+            <a:pPr lvl="1"/>
+            <a:r>
+              <a:rPr lang="en-US" sz="1600" dirty="0"/>
+              <a:t> MQTT-SN which was specified in around 2013, and designed to work over UDP, ZigBee and other transports.</a:t>
+            </a:r>
+          </a:p>
+          <a:p>
+            <a:endParaRPr lang="en-US" sz="1600" dirty="0"/>
+          </a:p>
+          <a:p>
+            <a:pPr lvl="1"/>
+            <a:r>
+              <a:rPr lang="en-US" sz="1600" dirty="0"/>
+              <a:t> MQTT-SN doesn’t currently appear to be very popular. and the specification hasn’t changed for several years</a:t>
+            </a:r>
+          </a:p>
+        </p:txBody>
+      </p:sp>
+      <p:sp>
+        <p:nvSpPr>
+          <p:cNvPr id="3" name="Title 2">
+            <a:extLst>
+              <a:ext uri="{FF2B5EF4-FFF2-40B4-BE49-F238E27FC236}">
+                <a16:creationId xmlns:a16="http://schemas.microsoft.com/office/drawing/2014/main" id="{101C59DD-A826-4491-A139-6800C7A0E847}"/>
+              </a:ext>
+            </a:extLst>
+          </p:cNvPr>
+          <p:cNvSpPr>
+            <a:spLocks noGrp="1"/>
+          </p:cNvSpPr>
+          <p:nvPr>
+            <p:ph type="title"/>
+          </p:nvPr>
+        </p:nvSpPr>
+        <p:spPr/>
+        <p:txBody>
+          <a:bodyPr/>
+          <a:lstStyle/>
+          <a:p>
+            <a:r>
+              <a:rPr lang="en-US" dirty="0"/>
               <a:t>MQTT Versions</a:t>
             </a:r>
           </a:p>
@@ -15788,7 +16227,7 @@
 </p:sld>
 </file>
 
-<file path=ppt/slides/slide27.xml><?xml version="1.0" encoding="utf-8"?>
+<file path=ppt/slides/slide28.xml><?xml version="1.0" encoding="utf-8"?>
 <p:sld xmlns:a="http://schemas.openxmlformats.org/drawingml/2006/main" xmlns:r="http://schemas.openxmlformats.org/officeDocument/2006/relationships" xmlns:p="http://schemas.openxmlformats.org/presentationml/2006/main">
   <p:cSld>
     <p:spTree>
@@ -15917,7 +16356,7 @@
 </p:sld>
 </file>
 
-<file path=ppt/slides/slide28.xml><?xml version="1.0" encoding="utf-8"?>
+<file path=ppt/slides/slide29.xml><?xml version="1.0" encoding="utf-8"?>
 <p:sld xmlns:a="http://schemas.openxmlformats.org/drawingml/2006/main" xmlns:r="http://schemas.openxmlformats.org/officeDocument/2006/relationships" xmlns:p="http://schemas.openxmlformats.org/presentationml/2006/main">
   <p:cSld>
     <p:spTree>
@@ -16143,196 +16582,6 @@
     <p:extLst>
       <p:ext uri="{BB962C8B-B14F-4D97-AF65-F5344CB8AC3E}">
         <p14:creationId xmlns:p14="http://schemas.microsoft.com/office/powerpoint/2010/main" val="1451289218"/>
-      </p:ext>
-    </p:extLst>
-  </p:cSld>
-  <p:clrMapOvr>
-    <a:masterClrMapping/>
-  </p:clrMapOvr>
-</p:sld>
-</file>
-
-<file path=ppt/slides/slide29.xml><?xml version="1.0" encoding="utf-8"?>
-<p:sld xmlns:a="http://schemas.openxmlformats.org/drawingml/2006/main" xmlns:r="http://schemas.openxmlformats.org/officeDocument/2006/relationships" xmlns:p="http://schemas.openxmlformats.org/presentationml/2006/main">
-  <p:cSld>
-    <p:spTree>
-      <p:nvGrpSpPr>
-        <p:cNvPr id="1" name=""/>
-        <p:cNvGrpSpPr/>
-        <p:nvPr/>
-      </p:nvGrpSpPr>
-      <p:grpSpPr>
-        <a:xfrm>
-          <a:off x="0" y="0"/>
-          <a:ext cx="0" cy="0"/>
-          <a:chOff x="0" y="0"/>
-          <a:chExt cx="0" cy="0"/>
-        </a:xfrm>
-      </p:grpSpPr>
-      <p:sp>
-        <p:nvSpPr>
-          <p:cNvPr id="2" name="Content Placeholder 1">
-            <a:extLst>
-              <a:ext uri="{FF2B5EF4-FFF2-40B4-BE49-F238E27FC236}">
-                <a16:creationId xmlns:a16="http://schemas.microsoft.com/office/drawing/2014/main" id="{70D9E827-F7C8-4A1E-A184-821E5A7A2AB1}"/>
-              </a:ext>
-            </a:extLst>
-          </p:cNvPr>
-          <p:cNvSpPr>
-            <a:spLocks noGrp="1"/>
-          </p:cNvSpPr>
-          <p:nvPr>
-            <p:ph idx="1"/>
-          </p:nvPr>
-        </p:nvSpPr>
-        <p:spPr>
-          <a:xfrm>
-            <a:off x="609600" y="1524000"/>
-            <a:ext cx="8153400" cy="4343400"/>
-          </a:xfrm>
-        </p:spPr>
-        <p:txBody>
-          <a:bodyPr/>
-          <a:lstStyle/>
-          <a:p>
-            <a:pPr marL="0" indent="0">
-              <a:buNone/>
-            </a:pPr>
-            <a:r>
-              <a:rPr lang="en-US" sz="1600" dirty="0"/>
-              <a:t>Topics are defined by a UTF-8-String which has the form of</a:t>
-            </a:r>
-          </a:p>
-          <a:p>
-            <a:pPr marL="0" indent="0">
-              <a:buNone/>
-            </a:pPr>
-            <a:endParaRPr lang="en-US" sz="1600" dirty="0"/>
-          </a:p>
-          <a:p>
-            <a:pPr marL="0" indent="0" algn="ctr">
-              <a:buNone/>
-            </a:pPr>
-            <a:r>
-              <a:rPr lang="en-US" sz="1600" dirty="0" err="1"/>
-              <a:t>haus</a:t>
-            </a:r>
-            <a:r>
-              <a:rPr lang="en-US" sz="1600" dirty="0"/>
-              <a:t>/</a:t>
-            </a:r>
-            <a:r>
-              <a:rPr lang="en-US" sz="1600" dirty="0" err="1"/>
-              <a:t>badezimmer</a:t>
-            </a:r>
-            <a:r>
-              <a:rPr lang="en-US" sz="1600" dirty="0"/>
-              <a:t>/</a:t>
-            </a:r>
-            <a:r>
-              <a:rPr lang="en-US" sz="1600" dirty="0" err="1"/>
-              <a:t>temperatur</a:t>
-            </a:r>
-            <a:endParaRPr lang="en-US" sz="1600" dirty="0"/>
-          </a:p>
-        </p:txBody>
-      </p:sp>
-      <p:sp>
-        <p:nvSpPr>
-          <p:cNvPr id="3" name="Title 2">
-            <a:extLst>
-              <a:ext uri="{FF2B5EF4-FFF2-40B4-BE49-F238E27FC236}">
-                <a16:creationId xmlns:a16="http://schemas.microsoft.com/office/drawing/2014/main" id="{101C59DD-A826-4491-A139-6800C7A0E847}"/>
-              </a:ext>
-            </a:extLst>
-          </p:cNvPr>
-          <p:cNvSpPr>
-            <a:spLocks noGrp="1"/>
-          </p:cNvSpPr>
-          <p:nvPr>
-            <p:ph type="title"/>
-          </p:nvPr>
-        </p:nvSpPr>
-        <p:spPr/>
-        <p:txBody>
-          <a:bodyPr/>
-          <a:lstStyle/>
-          <a:p>
-            <a:r>
-              <a:rPr lang="en-US" dirty="0"/>
-              <a:t>MQTT Topic Names</a:t>
-            </a:r>
-          </a:p>
-        </p:txBody>
-      </p:sp>
-      <p:pic>
-        <p:nvPicPr>
-          <p:cNvPr id="4" name="Picture 3">
-            <a:extLst>
-              <a:ext uri="{FF2B5EF4-FFF2-40B4-BE49-F238E27FC236}">
-                <a16:creationId xmlns:a16="http://schemas.microsoft.com/office/drawing/2014/main" id="{D40272B9-BBB3-419C-8913-80FFF81FDA2C}"/>
-              </a:ext>
-            </a:extLst>
-          </p:cNvPr>
-          <p:cNvPicPr>
-            <a:picLocks noChangeAspect="1"/>
-          </p:cNvPicPr>
-          <p:nvPr/>
-        </p:nvPicPr>
-        <p:blipFill>
-          <a:blip r:embed="rId2"/>
-          <a:stretch>
-            <a:fillRect/>
-          </a:stretch>
-        </p:blipFill>
-        <p:spPr>
-          <a:xfrm>
-            <a:off x="1143000" y="3425651"/>
-            <a:ext cx="6677957" cy="2219635"/>
-          </a:xfrm>
-          <a:prstGeom prst="rect">
-            <a:avLst/>
-          </a:prstGeom>
-        </p:spPr>
-      </p:pic>
-      <p:sp>
-        <p:nvSpPr>
-          <p:cNvPr id="7" name="Rectangle 6">
-            <a:extLst>
-              <a:ext uri="{FF2B5EF4-FFF2-40B4-BE49-F238E27FC236}">
-                <a16:creationId xmlns:a16="http://schemas.microsoft.com/office/drawing/2014/main" id="{FCA3BEA8-6604-4074-8083-554F6FC1C95A}"/>
-              </a:ext>
-            </a:extLst>
-          </p:cNvPr>
-          <p:cNvSpPr/>
-          <p:nvPr/>
-        </p:nvSpPr>
-        <p:spPr>
-          <a:xfrm>
-            <a:off x="771839" y="6215876"/>
-            <a:ext cx="8409842" cy="276999"/>
-          </a:xfrm>
-          <a:prstGeom prst="rect">
-            <a:avLst/>
-          </a:prstGeom>
-        </p:spPr>
-        <p:txBody>
-          <a:bodyPr wrap="square">
-            <a:spAutoFit/>
-          </a:bodyPr>
-          <a:lstStyle/>
-          <a:p>
-            <a:r>
-              <a:rPr lang="en-US" sz="1200" dirty="0"/>
-              <a:t>https://opus.hs-offenburg.de/frontdoor/deliver/index/docId/2771/file/THESIS_MARIO_SALLAT.pdf</a:t>
-            </a:r>
-          </a:p>
-        </p:txBody>
-      </p:sp>
-    </p:spTree>
-    <p:extLst>
-      <p:ext uri="{BB962C8B-B14F-4D97-AF65-F5344CB8AC3E}">
-        <p14:creationId xmlns:p14="http://schemas.microsoft.com/office/powerpoint/2010/main" val="3932245222"/>
       </p:ext>
     </p:extLst>
   </p:cSld>
@@ -18767,6 +19016,196 @@
             </a:pPr>
             <a:r>
               <a:rPr lang="en-US" sz="1600" dirty="0"/>
+              <a:t>Topics are defined by a UTF-8-String which has the form of</a:t>
+            </a:r>
+          </a:p>
+          <a:p>
+            <a:pPr marL="0" indent="0">
+              <a:buNone/>
+            </a:pPr>
+            <a:endParaRPr lang="en-US" sz="1600" dirty="0"/>
+          </a:p>
+          <a:p>
+            <a:pPr marL="0" indent="0" algn="ctr">
+              <a:buNone/>
+            </a:pPr>
+            <a:r>
+              <a:rPr lang="en-US" sz="1600" dirty="0" err="1"/>
+              <a:t>haus</a:t>
+            </a:r>
+            <a:r>
+              <a:rPr lang="en-US" sz="1600" dirty="0"/>
+              <a:t>/</a:t>
+            </a:r>
+            <a:r>
+              <a:rPr lang="en-US" sz="1600" dirty="0" err="1"/>
+              <a:t>badezimmer</a:t>
+            </a:r>
+            <a:r>
+              <a:rPr lang="en-US" sz="1600" dirty="0"/>
+              <a:t>/</a:t>
+            </a:r>
+            <a:r>
+              <a:rPr lang="en-US" sz="1600" dirty="0" err="1"/>
+              <a:t>temperatur</a:t>
+            </a:r>
+            <a:endParaRPr lang="en-US" sz="1600" dirty="0"/>
+          </a:p>
+        </p:txBody>
+      </p:sp>
+      <p:sp>
+        <p:nvSpPr>
+          <p:cNvPr id="3" name="Title 2">
+            <a:extLst>
+              <a:ext uri="{FF2B5EF4-FFF2-40B4-BE49-F238E27FC236}">
+                <a16:creationId xmlns:a16="http://schemas.microsoft.com/office/drawing/2014/main" id="{101C59DD-A826-4491-A139-6800C7A0E847}"/>
+              </a:ext>
+            </a:extLst>
+          </p:cNvPr>
+          <p:cNvSpPr>
+            <a:spLocks noGrp="1"/>
+          </p:cNvSpPr>
+          <p:nvPr>
+            <p:ph type="title"/>
+          </p:nvPr>
+        </p:nvSpPr>
+        <p:spPr/>
+        <p:txBody>
+          <a:bodyPr/>
+          <a:lstStyle/>
+          <a:p>
+            <a:r>
+              <a:rPr lang="en-US" dirty="0"/>
+              <a:t>MQTT Topic Names</a:t>
+            </a:r>
+          </a:p>
+        </p:txBody>
+      </p:sp>
+      <p:pic>
+        <p:nvPicPr>
+          <p:cNvPr id="4" name="Picture 3">
+            <a:extLst>
+              <a:ext uri="{FF2B5EF4-FFF2-40B4-BE49-F238E27FC236}">
+                <a16:creationId xmlns:a16="http://schemas.microsoft.com/office/drawing/2014/main" id="{D40272B9-BBB3-419C-8913-80FFF81FDA2C}"/>
+              </a:ext>
+            </a:extLst>
+          </p:cNvPr>
+          <p:cNvPicPr>
+            <a:picLocks noChangeAspect="1"/>
+          </p:cNvPicPr>
+          <p:nvPr/>
+        </p:nvPicPr>
+        <p:blipFill>
+          <a:blip r:embed="rId2"/>
+          <a:stretch>
+            <a:fillRect/>
+          </a:stretch>
+        </p:blipFill>
+        <p:spPr>
+          <a:xfrm>
+            <a:off x="1143000" y="3425651"/>
+            <a:ext cx="6677957" cy="2219635"/>
+          </a:xfrm>
+          <a:prstGeom prst="rect">
+            <a:avLst/>
+          </a:prstGeom>
+        </p:spPr>
+      </p:pic>
+      <p:sp>
+        <p:nvSpPr>
+          <p:cNvPr id="7" name="Rectangle 6">
+            <a:extLst>
+              <a:ext uri="{FF2B5EF4-FFF2-40B4-BE49-F238E27FC236}">
+                <a16:creationId xmlns:a16="http://schemas.microsoft.com/office/drawing/2014/main" id="{FCA3BEA8-6604-4074-8083-554F6FC1C95A}"/>
+              </a:ext>
+            </a:extLst>
+          </p:cNvPr>
+          <p:cNvSpPr/>
+          <p:nvPr/>
+        </p:nvSpPr>
+        <p:spPr>
+          <a:xfrm>
+            <a:off x="771839" y="6215876"/>
+            <a:ext cx="8409842" cy="276999"/>
+          </a:xfrm>
+          <a:prstGeom prst="rect">
+            <a:avLst/>
+          </a:prstGeom>
+        </p:spPr>
+        <p:txBody>
+          <a:bodyPr wrap="square">
+            <a:spAutoFit/>
+          </a:bodyPr>
+          <a:lstStyle/>
+          <a:p>
+            <a:r>
+              <a:rPr lang="en-US" sz="1200" dirty="0"/>
+              <a:t>https://opus.hs-offenburg.de/frontdoor/deliver/index/docId/2771/file/THESIS_MARIO_SALLAT.pdf</a:t>
+            </a:r>
+          </a:p>
+        </p:txBody>
+      </p:sp>
+    </p:spTree>
+    <p:extLst>
+      <p:ext uri="{BB962C8B-B14F-4D97-AF65-F5344CB8AC3E}">
+        <p14:creationId xmlns:p14="http://schemas.microsoft.com/office/powerpoint/2010/main" val="3932245222"/>
+      </p:ext>
+    </p:extLst>
+  </p:cSld>
+  <p:clrMapOvr>
+    <a:masterClrMapping/>
+  </p:clrMapOvr>
+</p:sld>
+</file>
+
+<file path=ppt/slides/slide31.xml><?xml version="1.0" encoding="utf-8"?>
+<p:sld xmlns:a="http://schemas.openxmlformats.org/drawingml/2006/main" xmlns:r="http://schemas.openxmlformats.org/officeDocument/2006/relationships" xmlns:p="http://schemas.openxmlformats.org/presentationml/2006/main">
+  <p:cSld>
+    <p:spTree>
+      <p:nvGrpSpPr>
+        <p:cNvPr id="1" name=""/>
+        <p:cNvGrpSpPr/>
+        <p:nvPr/>
+      </p:nvGrpSpPr>
+      <p:grpSpPr>
+        <a:xfrm>
+          <a:off x="0" y="0"/>
+          <a:ext cx="0" cy="0"/>
+          <a:chOff x="0" y="0"/>
+          <a:chExt cx="0" cy="0"/>
+        </a:xfrm>
+      </p:grpSpPr>
+      <p:sp>
+        <p:nvSpPr>
+          <p:cNvPr id="2" name="Content Placeholder 1">
+            <a:extLst>
+              <a:ext uri="{FF2B5EF4-FFF2-40B4-BE49-F238E27FC236}">
+                <a16:creationId xmlns:a16="http://schemas.microsoft.com/office/drawing/2014/main" id="{70D9E827-F7C8-4A1E-A184-821E5A7A2AB1}"/>
+              </a:ext>
+            </a:extLst>
+          </p:cNvPr>
+          <p:cNvSpPr>
+            <a:spLocks noGrp="1"/>
+          </p:cNvSpPr>
+          <p:nvPr>
+            <p:ph idx="1"/>
+          </p:nvPr>
+        </p:nvSpPr>
+        <p:spPr>
+          <a:xfrm>
+            <a:off x="609600" y="1524000"/>
+            <a:ext cx="8153400" cy="4343400"/>
+          </a:xfrm>
+        </p:spPr>
+        <p:txBody>
+          <a:bodyPr/>
+          <a:lstStyle/>
+          <a:p>
+            <a:pPr marL="0" indent="0">
+              <a:buNone/>
+            </a:pPr>
+            <a:r>
+              <a:rPr lang="en-US" sz="1600" dirty="0"/>
               <a:t>Single-Level Wildcard +</a:t>
             </a:r>
           </a:p>
@@ -18999,7 +19438,7 @@
 </p:sld>
 </file>
 
-<file path=ppt/slides/slide31.xml><?xml version="1.0" encoding="utf-8"?>
+<file path=ppt/slides/slide32.xml><?xml version="1.0" encoding="utf-8"?>
 <p:sld xmlns:a="http://schemas.openxmlformats.org/drawingml/2006/main" xmlns:r="http://schemas.openxmlformats.org/officeDocument/2006/relationships" xmlns:p="http://schemas.openxmlformats.org/presentationml/2006/main">
   <p:cSld>
     <p:spTree>
@@ -19226,7 +19665,7 @@
 </p:sld>
 </file>
 
-<file path=ppt/slides/slide32.xml><?xml version="1.0" encoding="utf-8"?>
+<file path=ppt/slides/slide33.xml><?xml version="1.0" encoding="utf-8"?>
 <p:sld xmlns:a="http://schemas.openxmlformats.org/drawingml/2006/main" xmlns:r="http://schemas.openxmlformats.org/officeDocument/2006/relationships" xmlns:p="http://schemas.openxmlformats.org/presentationml/2006/main">
   <p:cSld>
     <p:spTree>
@@ -19314,7 +19753,7 @@
 </p:sld>
 </file>
 
-<file path=ppt/slides/slide33.xml><?xml version="1.0" encoding="utf-8"?>
+<file path=ppt/slides/slide34.xml><?xml version="1.0" encoding="utf-8"?>
 <p:sld xmlns:a="http://schemas.openxmlformats.org/drawingml/2006/main" xmlns:r="http://schemas.openxmlformats.org/officeDocument/2006/relationships" xmlns:p="http://schemas.openxmlformats.org/presentationml/2006/main">
   <p:cSld>
     <p:spTree>
@@ -19402,7 +19841,7 @@
 </p:sld>
 </file>
 
-<file path=ppt/slides/slide34.xml><?xml version="1.0" encoding="utf-8"?>
+<file path=ppt/slides/slide35.xml><?xml version="1.0" encoding="utf-8"?>
 <p:sld xmlns:a="http://schemas.openxmlformats.org/drawingml/2006/main" xmlns:r="http://schemas.openxmlformats.org/officeDocument/2006/relationships" xmlns:p="http://schemas.openxmlformats.org/presentationml/2006/main">
   <p:cSld>
     <p:spTree>
@@ -22873,6 +23312,10 @@
               </a:lnSpc>
               <a:buNone/>
             </a:pPr>
+            <a:r>
+              <a:rPr lang="en-US" dirty="0"/>
+              <a:t/>
+            </a:r>
             <a:br>
               <a:rPr lang="en-US" dirty="0"/>
             </a:br>
